--- a/Figures/schematic.pptx
+++ b/Figures/schematic.pptx
@@ -6,6 +6,7 @@
   </p:sldMasterIdLst>
   <p:sldIdLst>
     <p:sldId id="256" r:id="rId2"/>
+    <p:sldId id="257" r:id="rId3"/>
   </p:sldIdLst>
   <p:sldSz cx="12192000" cy="6858000"/>
   <p:notesSz cx="6858000" cy="9144000"/>
@@ -104,6 +105,11 @@
       </a:defRPr>
     </a:lvl9pPr>
   </p:defaultTextStyle>
+  <p:extLst>
+    <p:ext uri="{EFAFB233-063F-42B5-8137-9DF3F51BA10A}">
+      <p15:sldGuideLst xmlns:p15="http://schemas.microsoft.com/office/powerpoint/2012/main"/>
+    </p:ext>
+  </p:extLst>
 </p:presentation>
 </file>
 
@@ -254,7 +260,7 @@
           <a:p>
             <a:fld id="{997E0BAE-A5DE-4DAE-A5C7-94B81C783CC7}" type="datetimeFigureOut">
               <a:rPr lang="en-US" smtClean="0"/>
-              <a:t>4/14/2023</a:t>
+              <a:t>4/15/2023</a:t>
             </a:fld>
             <a:endParaRPr lang="en-US"/>
           </a:p>
@@ -452,7 +458,7 @@
           <a:p>
             <a:fld id="{997E0BAE-A5DE-4DAE-A5C7-94B81C783CC7}" type="datetimeFigureOut">
               <a:rPr lang="en-US" smtClean="0"/>
-              <a:t>4/14/2023</a:t>
+              <a:t>4/15/2023</a:t>
             </a:fld>
             <a:endParaRPr lang="en-US"/>
           </a:p>
@@ -660,7 +666,7 @@
           <a:p>
             <a:fld id="{997E0BAE-A5DE-4DAE-A5C7-94B81C783CC7}" type="datetimeFigureOut">
               <a:rPr lang="en-US" smtClean="0"/>
-              <a:t>4/14/2023</a:t>
+              <a:t>4/15/2023</a:t>
             </a:fld>
             <a:endParaRPr lang="en-US"/>
           </a:p>
@@ -858,7 +864,7 @@
           <a:p>
             <a:fld id="{997E0BAE-A5DE-4DAE-A5C7-94B81C783CC7}" type="datetimeFigureOut">
               <a:rPr lang="en-US" smtClean="0"/>
-              <a:t>4/14/2023</a:t>
+              <a:t>4/15/2023</a:t>
             </a:fld>
             <a:endParaRPr lang="en-US"/>
           </a:p>
@@ -1133,7 +1139,7 @@
           <a:p>
             <a:fld id="{997E0BAE-A5DE-4DAE-A5C7-94B81C783CC7}" type="datetimeFigureOut">
               <a:rPr lang="en-US" smtClean="0"/>
-              <a:t>4/14/2023</a:t>
+              <a:t>4/15/2023</a:t>
             </a:fld>
             <a:endParaRPr lang="en-US"/>
           </a:p>
@@ -1398,7 +1404,7 @@
           <a:p>
             <a:fld id="{997E0BAE-A5DE-4DAE-A5C7-94B81C783CC7}" type="datetimeFigureOut">
               <a:rPr lang="en-US" smtClean="0"/>
-              <a:t>4/14/2023</a:t>
+              <a:t>4/15/2023</a:t>
             </a:fld>
             <a:endParaRPr lang="en-US"/>
           </a:p>
@@ -1810,7 +1816,7 @@
           <a:p>
             <a:fld id="{997E0BAE-A5DE-4DAE-A5C7-94B81C783CC7}" type="datetimeFigureOut">
               <a:rPr lang="en-US" smtClean="0"/>
-              <a:t>4/14/2023</a:t>
+              <a:t>4/15/2023</a:t>
             </a:fld>
             <a:endParaRPr lang="en-US"/>
           </a:p>
@@ -1951,7 +1957,7 @@
           <a:p>
             <a:fld id="{997E0BAE-A5DE-4DAE-A5C7-94B81C783CC7}" type="datetimeFigureOut">
               <a:rPr lang="en-US" smtClean="0"/>
-              <a:t>4/14/2023</a:t>
+              <a:t>4/15/2023</a:t>
             </a:fld>
             <a:endParaRPr lang="en-US"/>
           </a:p>
@@ -2064,7 +2070,7 @@
           <a:p>
             <a:fld id="{997E0BAE-A5DE-4DAE-A5C7-94B81C783CC7}" type="datetimeFigureOut">
               <a:rPr lang="en-US" smtClean="0"/>
-              <a:t>4/14/2023</a:t>
+              <a:t>4/15/2023</a:t>
             </a:fld>
             <a:endParaRPr lang="en-US"/>
           </a:p>
@@ -2375,7 +2381,7 @@
           <a:p>
             <a:fld id="{997E0BAE-A5DE-4DAE-A5C7-94B81C783CC7}" type="datetimeFigureOut">
               <a:rPr lang="en-US" smtClean="0"/>
-              <a:t>4/14/2023</a:t>
+              <a:t>4/15/2023</a:t>
             </a:fld>
             <a:endParaRPr lang="en-US"/>
           </a:p>
@@ -2663,7 +2669,7 @@
           <a:p>
             <a:fld id="{997E0BAE-A5DE-4DAE-A5C7-94B81C783CC7}" type="datetimeFigureOut">
               <a:rPr lang="en-US" smtClean="0"/>
-              <a:t>4/14/2023</a:t>
+              <a:t>4/15/2023</a:t>
             </a:fld>
             <a:endParaRPr lang="en-US"/>
           </a:p>
@@ -2904,7 +2910,7 @@
           <a:p>
             <a:fld id="{997E0BAE-A5DE-4DAE-A5C7-94B81C783CC7}" type="datetimeFigureOut">
               <a:rPr lang="en-US" smtClean="0"/>
-              <a:t>4/14/2023</a:t>
+              <a:t>4/15/2023</a:t>
             </a:fld>
             <a:endParaRPr lang="en-US"/>
           </a:p>
@@ -4760,8 +4766,8 @@
             </a:p>
           </p:txBody>
         </p:sp>
-        <mc:AlternateContent xmlns:mc="http://schemas.openxmlformats.org/markup-compatibility/2006">
-          <mc:Choice xmlns:a14="http://schemas.microsoft.com/office/drawing/2010/main" Requires="a14">
+        <mc:AlternateContent xmlns:mc="http://schemas.openxmlformats.org/markup-compatibility/2006" xmlns:a14="http://schemas.microsoft.com/office/drawing/2010/main">
+          <mc:Choice Requires="a14">
             <p:sp>
               <p:nvSpPr>
                 <p:cNvPr id="60" name="TextBox 59">
@@ -4790,6 +4796,7 @@
                 </a:bodyPr>
                 <a:lstStyle/>
                 <a:p>
+                  <a:pPr/>
                   <a14:m>
                     <m:oMathPara xmlns:m="http://schemas.openxmlformats.org/officeDocument/2006/math">
                       <m:oMathParaPr>
@@ -4829,7 +4836,7 @@
               </p:txBody>
             </p:sp>
           </mc:Choice>
-          <mc:Fallback>
+          <mc:Fallback xmlns="">
             <p:sp>
               <p:nvSpPr>
                 <p:cNvPr id="60" name="TextBox 59">
@@ -6337,8 +6344,8 @@
             </a:fontRef>
           </p:style>
         </p:cxnSp>
-        <mc:AlternateContent xmlns:mc="http://schemas.openxmlformats.org/markup-compatibility/2006">
-          <mc:Choice xmlns:a14="http://schemas.microsoft.com/office/drawing/2010/main" Requires="a14">
+        <mc:AlternateContent xmlns:mc="http://schemas.openxmlformats.org/markup-compatibility/2006" xmlns:a14="http://schemas.microsoft.com/office/drawing/2010/main">
+          <mc:Choice Requires="a14">
             <p:sp>
               <p:nvSpPr>
                 <p:cNvPr id="59" name="TextBox 58">
@@ -6367,6 +6374,7 @@
                 </a:bodyPr>
                 <a:lstStyle/>
                 <a:p>
+                  <a:pPr/>
                   <a14:m>
                     <m:oMathPara xmlns:m="http://schemas.openxmlformats.org/officeDocument/2006/math">
                       <m:oMathParaPr>
@@ -6406,7 +6414,7 @@
               </p:txBody>
             </p:sp>
           </mc:Choice>
-          <mc:Fallback>
+          <mc:Fallback xmlns="">
             <p:sp>
               <p:nvSpPr>
                 <p:cNvPr id="59" name="TextBox 58">
@@ -6451,8 +6459,8 @@
             </p:sp>
           </mc:Fallback>
         </mc:AlternateContent>
-        <mc:AlternateContent xmlns:mc="http://schemas.openxmlformats.org/markup-compatibility/2006">
-          <mc:Choice xmlns:a14="http://schemas.microsoft.com/office/drawing/2010/main" Requires="a14">
+        <mc:AlternateContent xmlns:mc="http://schemas.openxmlformats.org/markup-compatibility/2006" xmlns:a14="http://schemas.microsoft.com/office/drawing/2010/main">
+          <mc:Choice Requires="a14">
             <p:sp>
               <p:nvSpPr>
                 <p:cNvPr id="61" name="TextBox 60">
@@ -6481,6 +6489,7 @@
                 </a:bodyPr>
                 <a:lstStyle/>
                 <a:p>
+                  <a:pPr/>
                   <a14:m>
                     <m:oMathPara xmlns:m="http://schemas.openxmlformats.org/officeDocument/2006/math">
                       <m:oMathParaPr>
@@ -6520,7 +6529,7 @@
               </p:txBody>
             </p:sp>
           </mc:Choice>
-          <mc:Fallback>
+          <mc:Fallback xmlns="">
             <p:sp>
               <p:nvSpPr>
                 <p:cNvPr id="61" name="TextBox 60">
@@ -6565,8 +6574,8 @@
             </p:sp>
           </mc:Fallback>
         </mc:AlternateContent>
-        <mc:AlternateContent xmlns:mc="http://schemas.openxmlformats.org/markup-compatibility/2006">
-          <mc:Choice xmlns:a14="http://schemas.microsoft.com/office/drawing/2010/main" Requires="a14">
+        <mc:AlternateContent xmlns:mc="http://schemas.openxmlformats.org/markup-compatibility/2006" xmlns:a14="http://schemas.microsoft.com/office/drawing/2010/main">
+          <mc:Choice Requires="a14">
             <p:sp>
               <p:nvSpPr>
                 <p:cNvPr id="62" name="TextBox 61">
@@ -6595,6 +6604,7 @@
                 </a:bodyPr>
                 <a:lstStyle/>
                 <a:p>
+                  <a:pPr/>
                   <a14:m>
                     <m:oMathPara xmlns:m="http://schemas.openxmlformats.org/officeDocument/2006/math">
                       <m:oMathParaPr>
@@ -6634,7 +6644,7 @@
               </p:txBody>
             </p:sp>
           </mc:Choice>
-          <mc:Fallback>
+          <mc:Fallback xmlns="">
             <p:sp>
               <p:nvSpPr>
                 <p:cNvPr id="62" name="TextBox 61">
@@ -7043,8 +7053,8 @@
             </a:p>
           </p:txBody>
         </p:sp>
-        <mc:AlternateContent xmlns:mc="http://schemas.openxmlformats.org/markup-compatibility/2006">
-          <mc:Choice xmlns:a14="http://schemas.microsoft.com/office/drawing/2010/main" Requires="a14">
+        <mc:AlternateContent xmlns:mc="http://schemas.openxmlformats.org/markup-compatibility/2006" xmlns:a14="http://schemas.microsoft.com/office/drawing/2010/main">
+          <mc:Choice Requires="a14">
             <p:sp>
               <p:nvSpPr>
                 <p:cNvPr id="1116" name="TextBox 1115">
@@ -7073,6 +7083,7 @@
                 </a:bodyPr>
                 <a:lstStyle/>
                 <a:p>
+                  <a:pPr/>
                   <a14:m>
                     <m:oMathPara xmlns:m="http://schemas.openxmlformats.org/officeDocument/2006/math">
                       <m:oMathParaPr>
@@ -7108,7 +7119,7 @@
               </p:txBody>
             </p:sp>
           </mc:Choice>
-          <mc:Fallback>
+          <mc:Fallback xmlns="">
             <p:sp>
               <p:nvSpPr>
                 <p:cNvPr id="1116" name="TextBox 1115">
@@ -7398,8 +7409,8 @@
               </a:p>
             </p:txBody>
           </p:sp>
-          <mc:AlternateContent xmlns:mc="http://schemas.openxmlformats.org/markup-compatibility/2006">
-            <mc:Choice xmlns:a14="http://schemas.microsoft.com/office/drawing/2010/main" Requires="a14">
+          <mc:AlternateContent xmlns:mc="http://schemas.openxmlformats.org/markup-compatibility/2006" xmlns:a14="http://schemas.microsoft.com/office/drawing/2010/main">
+            <mc:Choice Requires="a14">
               <p:sp>
                 <p:nvSpPr>
                   <p:cNvPr id="1117" name="TextBox 1116">
@@ -7428,6 +7439,7 @@
                   </a:bodyPr>
                   <a:lstStyle/>
                   <a:p>
+                    <a:pPr/>
                     <a14:m>
                       <m:oMathPara xmlns:m="http://schemas.openxmlformats.org/officeDocument/2006/math">
                         <m:oMathParaPr>
@@ -7463,7 +7475,7 @@
                 </p:txBody>
               </p:sp>
             </mc:Choice>
-            <mc:Fallback>
+            <mc:Fallback xmlns="">
               <p:sp>
                 <p:nvSpPr>
                   <p:cNvPr id="1117" name="TextBox 1116">
@@ -7514,6 +7526,291 @@
     <p:extLst>
       <p:ext uri="{BB962C8B-B14F-4D97-AF65-F5344CB8AC3E}">
         <p14:creationId xmlns:p14="http://schemas.microsoft.com/office/powerpoint/2010/main" val="1908698686"/>
+      </p:ext>
+    </p:extLst>
+  </p:cSld>
+  <p:clrMapOvr>
+    <a:masterClrMapping/>
+  </p:clrMapOvr>
+</p:sld>
+</file>
+
+<file path=ppt/slides/slide2.xml><?xml version="1.0" encoding="utf-8"?>
+<p:sld xmlns:a="http://schemas.openxmlformats.org/drawingml/2006/main" xmlns:r="http://schemas.openxmlformats.org/officeDocument/2006/relationships" xmlns:p="http://schemas.openxmlformats.org/presentationml/2006/main">
+  <p:cSld>
+    <p:spTree>
+      <p:nvGrpSpPr>
+        <p:cNvPr id="1" name=""/>
+        <p:cNvGrpSpPr/>
+        <p:nvPr/>
+      </p:nvGrpSpPr>
+      <p:grpSpPr>
+        <a:xfrm>
+          <a:off x="0" y="0"/>
+          <a:ext cx="0" cy="0"/>
+          <a:chOff x="0" y="0"/>
+          <a:chExt cx="0" cy="0"/>
+        </a:xfrm>
+      </p:grpSpPr>
+      <p:grpSp>
+        <p:nvGrpSpPr>
+          <p:cNvPr id="29" name="Group 28">
+            <a:extLst>
+              <a:ext uri="{FF2B5EF4-FFF2-40B4-BE49-F238E27FC236}">
+                <a16:creationId xmlns:a16="http://schemas.microsoft.com/office/drawing/2014/main" id="{16F5FBAC-A155-DFB0-7DEC-EC72454697CD}"/>
+              </a:ext>
+            </a:extLst>
+          </p:cNvPr>
+          <p:cNvGrpSpPr/>
+          <p:nvPr/>
+        </p:nvGrpSpPr>
+        <p:grpSpPr>
+          <a:xfrm>
+            <a:off x="2958361" y="1528981"/>
+            <a:ext cx="3791737" cy="2738219"/>
+            <a:chOff x="2958361" y="1528981"/>
+            <a:chExt cx="3791737" cy="2738219"/>
+          </a:xfrm>
+        </p:grpSpPr>
+        <p:pic>
+          <p:nvPicPr>
+            <p:cNvPr id="7" name="Picture 6" descr="A picture containing lamp&#10;&#10;Description automatically generated">
+              <a:extLst>
+                <a:ext uri="{FF2B5EF4-FFF2-40B4-BE49-F238E27FC236}">
+                  <a16:creationId xmlns:a16="http://schemas.microsoft.com/office/drawing/2014/main" id="{A0974974-81A4-F28E-04D5-CC81AEDA4B66}"/>
+                </a:ext>
+              </a:extLst>
+            </p:cNvPr>
+            <p:cNvPicPr>
+              <a:picLocks noChangeAspect="1"/>
+            </p:cNvPicPr>
+            <p:nvPr/>
+          </p:nvPicPr>
+          <p:blipFill>
+            <a:blip r:embed="rId2">
+              <a:extLst>
+                <a:ext uri="{28A0092B-C50C-407E-A947-70E740481C1C}">
+                  <a14:useLocalDpi xmlns:a14="http://schemas.microsoft.com/office/drawing/2010/main" val="0"/>
+                </a:ext>
+              </a:extLst>
+            </a:blip>
+            <a:stretch>
+              <a:fillRect/>
+            </a:stretch>
+          </p:blipFill>
+          <p:spPr>
+            <a:xfrm>
+              <a:off x="2958361" y="1528981"/>
+              <a:ext cx="2850135" cy="2738219"/>
+            </a:xfrm>
+            <a:prstGeom prst="rect">
+              <a:avLst/>
+            </a:prstGeom>
+          </p:spPr>
+        </p:pic>
+        <p:sp>
+          <p:nvSpPr>
+            <p:cNvPr id="10" name="Oval 9">
+              <a:extLst>
+                <a:ext uri="{FF2B5EF4-FFF2-40B4-BE49-F238E27FC236}">
+                  <a16:creationId xmlns:a16="http://schemas.microsoft.com/office/drawing/2014/main" id="{6400139F-FAEF-959D-3E5F-B92B140B6526}"/>
+                </a:ext>
+              </a:extLst>
+            </p:cNvPr>
+            <p:cNvSpPr/>
+            <p:nvPr/>
+          </p:nvSpPr>
+          <p:spPr>
+            <a:xfrm>
+              <a:off x="5486400" y="2709247"/>
+              <a:ext cx="322096" cy="322096"/>
+            </a:xfrm>
+            <a:prstGeom prst="ellipse">
+              <a:avLst/>
+            </a:prstGeom>
+            <a:noFill/>
+            <a:ln>
+              <a:solidFill>
+                <a:srgbClr val="FF0000"/>
+              </a:solidFill>
+            </a:ln>
+          </p:spPr>
+          <p:style>
+            <a:lnRef idx="2">
+              <a:schemeClr val="accent1">
+                <a:shade val="50000"/>
+              </a:schemeClr>
+            </a:lnRef>
+            <a:fillRef idx="1">
+              <a:schemeClr val="accent1"/>
+            </a:fillRef>
+            <a:effectRef idx="0">
+              <a:schemeClr val="accent1"/>
+            </a:effectRef>
+            <a:fontRef idx="minor">
+              <a:schemeClr val="lt1"/>
+            </a:fontRef>
+          </p:style>
+          <p:txBody>
+            <a:bodyPr rtlCol="0" anchor="ctr"/>
+            <a:lstStyle/>
+            <a:p>
+              <a:pPr algn="ctr"/>
+              <a:endParaRPr lang="en-US"/>
+            </a:p>
+          </p:txBody>
+        </p:sp>
+        <p:grpSp>
+          <p:nvGrpSpPr>
+            <p:cNvPr id="25" name="Group 24">
+              <a:extLst>
+                <a:ext uri="{FF2B5EF4-FFF2-40B4-BE49-F238E27FC236}">
+                  <a16:creationId xmlns:a16="http://schemas.microsoft.com/office/drawing/2014/main" id="{623D94D3-75BC-65F1-E9F6-F45845592B2A}"/>
+                </a:ext>
+              </a:extLst>
+            </p:cNvPr>
+            <p:cNvGrpSpPr/>
+            <p:nvPr/>
+          </p:nvGrpSpPr>
+          <p:grpSpPr>
+            <a:xfrm>
+              <a:off x="6096000" y="1564133"/>
+              <a:ext cx="654098" cy="2612324"/>
+              <a:chOff x="5808496" y="1403085"/>
+              <a:chExt cx="654098" cy="2612324"/>
+            </a:xfrm>
+          </p:grpSpPr>
+          <p:pic>
+            <p:nvPicPr>
+              <p:cNvPr id="9" name="Picture 8">
+                <a:extLst>
+                  <a:ext uri="{FF2B5EF4-FFF2-40B4-BE49-F238E27FC236}">
+                    <a16:creationId xmlns:a16="http://schemas.microsoft.com/office/drawing/2014/main" id="{BEB0F164-A8DB-E72A-B2C5-09F6B005EA76}"/>
+                  </a:ext>
+                </a:extLst>
+              </p:cNvPr>
+              <p:cNvPicPr>
+                <a:picLocks noChangeAspect="1"/>
+              </p:cNvPicPr>
+              <p:nvPr/>
+            </p:nvPicPr>
+            <p:blipFill rotWithShape="1">
+              <a:blip r:embed="rId3"/>
+              <a:srcRect l="72528"/>
+              <a:stretch/>
+            </p:blipFill>
+            <p:spPr>
+              <a:xfrm>
+                <a:off x="5808496" y="1403085"/>
+                <a:ext cx="654098" cy="2612324"/>
+              </a:xfrm>
+              <a:prstGeom prst="rect">
+                <a:avLst/>
+              </a:prstGeom>
+            </p:spPr>
+          </p:pic>
+          <p:sp>
+            <p:nvSpPr>
+              <p:cNvPr id="17" name="Rectangle: Rounded Corners 16">
+                <a:extLst>
+                  <a:ext uri="{FF2B5EF4-FFF2-40B4-BE49-F238E27FC236}">
+                    <a16:creationId xmlns:a16="http://schemas.microsoft.com/office/drawing/2014/main" id="{3DE67A8F-3CE6-DBEA-7205-ECDCE45CAB49}"/>
+                  </a:ext>
+                </a:extLst>
+              </p:cNvPr>
+              <p:cNvSpPr/>
+              <p:nvPr/>
+            </p:nvSpPr>
+            <p:spPr>
+              <a:xfrm>
+                <a:off x="5892591" y="1485366"/>
+                <a:ext cx="476001" cy="2530043"/>
+              </a:xfrm>
+              <a:prstGeom prst="roundRect">
+                <a:avLst/>
+              </a:prstGeom>
+              <a:noFill/>
+              <a:ln>
+                <a:solidFill>
+                  <a:srgbClr val="FF0000"/>
+                </a:solidFill>
+              </a:ln>
+            </p:spPr>
+            <p:style>
+              <a:lnRef idx="2">
+                <a:schemeClr val="accent1">
+                  <a:shade val="50000"/>
+                </a:schemeClr>
+              </a:lnRef>
+              <a:fillRef idx="1">
+                <a:schemeClr val="accent1"/>
+              </a:fillRef>
+              <a:effectRef idx="0">
+                <a:schemeClr val="accent1"/>
+              </a:effectRef>
+              <a:fontRef idx="minor">
+                <a:schemeClr val="lt1"/>
+              </a:fontRef>
+            </p:style>
+            <p:txBody>
+              <a:bodyPr rtlCol="0" anchor="ctr"/>
+              <a:lstStyle/>
+              <a:p>
+                <a:pPr algn="ctr"/>
+                <a:endParaRPr lang="en-US"/>
+              </a:p>
+            </p:txBody>
+          </p:sp>
+        </p:grpSp>
+        <p:cxnSp>
+          <p:nvCxnSpPr>
+            <p:cNvPr id="27" name="Straight Arrow Connector 26">
+              <a:extLst>
+                <a:ext uri="{FF2B5EF4-FFF2-40B4-BE49-F238E27FC236}">
+                  <a16:creationId xmlns:a16="http://schemas.microsoft.com/office/drawing/2014/main" id="{011DC0BD-AFD8-569C-D8F8-7902A39C80C6}"/>
+                </a:ext>
+              </a:extLst>
+            </p:cNvPr>
+            <p:cNvCxnSpPr>
+              <a:cxnSpLocks/>
+            </p:cNvCxnSpPr>
+            <p:nvPr/>
+          </p:nvCxnSpPr>
+          <p:spPr>
+            <a:xfrm>
+              <a:off x="5867400" y="2870295"/>
+              <a:ext cx="228600" cy="0"/>
+            </a:xfrm>
+            <a:prstGeom prst="straightConnector1">
+              <a:avLst/>
+            </a:prstGeom>
+            <a:ln w="28575">
+              <a:solidFill>
+                <a:srgbClr val="FF0000"/>
+              </a:solidFill>
+              <a:tailEnd type="triangle"/>
+            </a:ln>
+          </p:spPr>
+          <p:style>
+            <a:lnRef idx="1">
+              <a:schemeClr val="accent1"/>
+            </a:lnRef>
+            <a:fillRef idx="0">
+              <a:schemeClr val="accent1"/>
+            </a:fillRef>
+            <a:effectRef idx="0">
+              <a:schemeClr val="accent1"/>
+            </a:effectRef>
+            <a:fontRef idx="minor">
+              <a:schemeClr val="tx1"/>
+            </a:fontRef>
+          </p:style>
+        </p:cxnSp>
+      </p:grpSp>
+    </p:spTree>
+    <p:extLst>
+      <p:ext uri="{BB962C8B-B14F-4D97-AF65-F5344CB8AC3E}">
+        <p14:creationId xmlns:p14="http://schemas.microsoft.com/office/powerpoint/2010/main" val="1609873639"/>
       </p:ext>
     </p:extLst>
   </p:cSld>

--- a/Figures/schematic.pptx
+++ b/Figures/schematic.pptx
@@ -3329,10 +3329,10 @@
       </p:grpSpPr>
       <p:grpSp>
         <p:nvGrpSpPr>
-          <p:cNvPr id="1124" name="Group 1123">
+          <p:cNvPr id="7" name="Group 6">
             <a:extLst>
               <a:ext uri="{FF2B5EF4-FFF2-40B4-BE49-F238E27FC236}">
-                <a16:creationId xmlns:a16="http://schemas.microsoft.com/office/drawing/2014/main" id="{F16D0B94-7374-BED7-B069-6D9CECA3E575}"/>
+                <a16:creationId xmlns:a16="http://schemas.microsoft.com/office/drawing/2014/main" id="{1F5DDA07-4388-698A-8EB1-DA48DE74C7D3}"/>
               </a:ext>
             </a:extLst>
           </p:cNvPr>
@@ -3341,10 +3341,10 @@
         </p:nvGrpSpPr>
         <p:grpSpPr>
           <a:xfrm>
-            <a:off x="2649361" y="657423"/>
-            <a:ext cx="5831548" cy="4939399"/>
-            <a:chOff x="2649361" y="657423"/>
-            <a:chExt cx="5831548" cy="4939399"/>
+            <a:off x="2649361" y="632361"/>
+            <a:ext cx="5458569" cy="4872128"/>
+            <a:chOff x="2649361" y="632361"/>
+            <a:chExt cx="5458569" cy="4872128"/>
           </a:xfrm>
         </p:grpSpPr>
         <p:sp>
@@ -3361,7 +3361,7 @@
           </p:nvSpPr>
           <p:spPr>
             <a:xfrm rot="19821739">
-              <a:off x="6978674" y="1278677"/>
+              <a:off x="6605695" y="1253615"/>
               <a:ext cx="1082842" cy="730183"/>
             </a:xfrm>
             <a:prstGeom prst="ellipse">
@@ -3415,7 +3415,7 @@
           </p:nvSpPr>
           <p:spPr>
             <a:xfrm rot="19821739">
-              <a:off x="4636124" y="4171105"/>
+              <a:off x="4263145" y="4146043"/>
               <a:ext cx="1082842" cy="771866"/>
             </a:xfrm>
             <a:prstGeom prst="ellipse">
@@ -3471,7 +3471,7 @@
           </p:nvCxnSpPr>
           <p:spPr>
             <a:xfrm rot="19821739" flipH="1">
-              <a:off x="4627714" y="2404767"/>
+              <a:off x="4254735" y="2379705"/>
               <a:ext cx="3455511" cy="1371746"/>
             </a:xfrm>
             <a:prstGeom prst="line">
@@ -3516,7 +3516,7 @@
           </p:nvGrpSpPr>
           <p:grpSpPr>
             <a:xfrm rot="21370826">
-              <a:off x="6986578" y="1286970"/>
+              <a:off x="6613599" y="1261908"/>
               <a:ext cx="1099796" cy="680248"/>
               <a:chOff x="5429395" y="1772854"/>
               <a:chExt cx="1099796" cy="680248"/>
@@ -4097,7 +4097,7 @@
           </p:nvGrpSpPr>
           <p:grpSpPr>
             <a:xfrm rot="21370826">
-              <a:off x="4623436" y="4209514"/>
+              <a:off x="4250457" y="4184452"/>
               <a:ext cx="1099796" cy="680248"/>
               <a:chOff x="5429395" y="1772854"/>
               <a:chExt cx="1099796" cy="680248"/>
@@ -4678,7 +4678,7 @@
           </p:nvSpPr>
           <p:spPr>
             <a:xfrm rot="19821739">
-              <a:off x="7479500" y="1566854"/>
+              <a:off x="7106521" y="1541792"/>
               <a:ext cx="109890" cy="109890"/>
             </a:xfrm>
             <a:prstGeom prst="ellipse">
@@ -4729,7 +4729,7 @@
           </p:nvSpPr>
           <p:spPr>
             <a:xfrm rot="19821739">
-              <a:off x="5126061" y="4493018"/>
+              <a:off x="4753082" y="4467956"/>
               <a:ext cx="109890" cy="109890"/>
             </a:xfrm>
             <a:prstGeom prst="ellipse">
@@ -4766,8 +4766,8 @@
             </a:p>
           </p:txBody>
         </p:sp>
-        <mc:AlternateContent xmlns:mc="http://schemas.openxmlformats.org/markup-compatibility/2006" xmlns:a14="http://schemas.microsoft.com/office/drawing/2010/main">
-          <mc:Choice Requires="a14">
+        <mc:AlternateContent xmlns:mc="http://schemas.openxmlformats.org/markup-compatibility/2006">
+          <mc:Choice xmlns:a14="http://schemas.microsoft.com/office/drawing/2010/main" Requires="a14">
             <p:sp>
               <p:nvSpPr>
                 <p:cNvPr id="60" name="TextBox 59">
@@ -4782,7 +4782,7 @@
               </p:nvSpPr>
               <p:spPr>
                 <a:xfrm rot="221500">
-                  <a:off x="6989743" y="657423"/>
+                  <a:off x="6616764" y="632361"/>
                   <a:ext cx="250838" cy="276999"/>
                 </a:xfrm>
                 <a:prstGeom prst="rect">
@@ -4836,7 +4836,7 @@
               </p:txBody>
             </p:sp>
           </mc:Choice>
-          <mc:Fallback xmlns="">
+          <mc:Fallback>
             <p:sp>
               <p:nvSpPr>
                 <p:cNvPr id="60" name="TextBox 59">
@@ -4853,7 +4853,7 @@
               </p:nvSpPr>
               <p:spPr>
                 <a:xfrm rot="221500">
-                  <a:off x="6989743" y="657423"/>
+                  <a:off x="6616764" y="632361"/>
                   <a:ext cx="250838" cy="276999"/>
                 </a:xfrm>
                 <a:prstGeom prst="rect">
@@ -4862,7 +4862,7 @@
                 <a:blipFill>
                   <a:blip r:embed="rId2"/>
                   <a:stretch>
-                    <a:fillRect l="-33333" t="-4082" r="-2222" b="-30612"/>
+                    <a:fillRect l="-34091" t="-4082" r="-4545" b="-30612"/>
                   </a:stretch>
                 </a:blipFill>
               </p:spPr>
@@ -4895,7 +4895,7 @@
           </p:nvSpPr>
           <p:spPr>
             <a:xfrm rot="19821739">
-              <a:off x="4620105" y="2263298"/>
+              <a:off x="4247126" y="2238236"/>
               <a:ext cx="1141444" cy="785991"/>
             </a:xfrm>
             <a:prstGeom prst="ellipse">
@@ -4949,7 +4949,7 @@
           </p:nvSpPr>
           <p:spPr>
             <a:xfrm rot="19821739">
-              <a:off x="7398067" y="3048631"/>
+              <a:off x="7025088" y="3023569"/>
               <a:ext cx="1082842" cy="870996"/>
             </a:xfrm>
             <a:prstGeom prst="ellipse">
@@ -5005,7 +5005,7 @@
           </p:nvCxnSpPr>
           <p:spPr>
             <a:xfrm rot="19821739">
-              <a:off x="5572015" y="2039981"/>
+              <a:off x="5199036" y="2014919"/>
               <a:ext cx="2009032" cy="2073725"/>
             </a:xfrm>
             <a:prstGeom prst="line">
@@ -5050,7 +5050,7 @@
           </p:nvGrpSpPr>
           <p:grpSpPr>
             <a:xfrm rot="17045795">
-              <a:off x="4659148" y="2381087"/>
+              <a:off x="4286169" y="2356025"/>
               <a:ext cx="1066203" cy="588326"/>
               <a:chOff x="2892172" y="1580012"/>
               <a:chExt cx="1066203" cy="588326"/>
@@ -5631,7 +5631,7 @@
           </p:nvGrpSpPr>
           <p:grpSpPr>
             <a:xfrm rot="4400712">
-              <a:off x="7383999" y="3119305"/>
+              <a:off x="7011020" y="3094243"/>
               <a:ext cx="1099796" cy="680248"/>
               <a:chOff x="5429395" y="1772854"/>
               <a:chExt cx="1099796" cy="680248"/>
@@ -6212,7 +6212,7 @@
           </p:nvSpPr>
           <p:spPr>
             <a:xfrm rot="19821739">
-              <a:off x="7879786" y="3401455"/>
+              <a:off x="7506807" y="3376393"/>
               <a:ext cx="109890" cy="109890"/>
             </a:xfrm>
             <a:prstGeom prst="ellipse">
@@ -6263,7 +6263,7 @@
           </p:nvSpPr>
           <p:spPr>
             <a:xfrm rot="19821739">
-              <a:off x="5135541" y="2630378"/>
+              <a:off x="4762562" y="2605316"/>
               <a:ext cx="109890" cy="109890"/>
             </a:xfrm>
             <a:prstGeom prst="ellipse">
@@ -6316,7 +6316,7 @@
           </p:nvCxnSpPr>
           <p:spPr>
             <a:xfrm flipH="1" flipV="1">
-              <a:off x="4967282" y="1867193"/>
+              <a:off x="4594303" y="1842131"/>
               <a:ext cx="223991" cy="824785"/>
             </a:xfrm>
             <a:prstGeom prst="straightConnector1">
@@ -6344,8 +6344,8 @@
             </a:fontRef>
           </p:style>
         </p:cxnSp>
-        <mc:AlternateContent xmlns:mc="http://schemas.openxmlformats.org/markup-compatibility/2006" xmlns:a14="http://schemas.microsoft.com/office/drawing/2010/main">
-          <mc:Choice Requires="a14">
+        <mc:AlternateContent xmlns:mc="http://schemas.openxmlformats.org/markup-compatibility/2006">
+          <mc:Choice xmlns:a14="http://schemas.microsoft.com/office/drawing/2010/main" Requires="a14">
             <p:sp>
               <p:nvSpPr>
                 <p:cNvPr id="59" name="TextBox 58">
@@ -6360,7 +6360,7 @@
               </p:nvSpPr>
               <p:spPr>
                 <a:xfrm>
-                  <a:off x="4599559" y="1659290"/>
+                  <a:off x="4226580" y="1634228"/>
                   <a:ext cx="245515" cy="276999"/>
                 </a:xfrm>
                 <a:prstGeom prst="rect">
@@ -6414,7 +6414,7 @@
               </p:txBody>
             </p:sp>
           </mc:Choice>
-          <mc:Fallback xmlns="">
+          <mc:Fallback>
             <p:sp>
               <p:nvSpPr>
                 <p:cNvPr id="59" name="TextBox 58">
@@ -6431,7 +6431,7 @@
               </p:nvSpPr>
               <p:spPr>
                 <a:xfrm>
-                  <a:off x="4599559" y="1659290"/>
+                  <a:off x="4226580" y="1634228"/>
                   <a:ext cx="245515" cy="276999"/>
                 </a:xfrm>
                 <a:prstGeom prst="rect">
@@ -6440,7 +6440,7 @@
                 <a:blipFill>
                   <a:blip r:embed="rId3"/>
                   <a:stretch>
-                    <a:fillRect l="-35000" t="-2174" r="-7500" b="-32609"/>
+                    <a:fillRect l="-34146" t="-2174" r="-7317" b="-32609"/>
                   </a:stretch>
                 </a:blipFill>
               </p:spPr>
@@ -6459,8 +6459,8 @@
             </p:sp>
           </mc:Fallback>
         </mc:AlternateContent>
-        <mc:AlternateContent xmlns:mc="http://schemas.openxmlformats.org/markup-compatibility/2006" xmlns:a14="http://schemas.microsoft.com/office/drawing/2010/main">
-          <mc:Choice Requires="a14">
+        <mc:AlternateContent xmlns:mc="http://schemas.openxmlformats.org/markup-compatibility/2006">
+          <mc:Choice xmlns:a14="http://schemas.microsoft.com/office/drawing/2010/main" Requires="a14">
             <p:sp>
               <p:nvSpPr>
                 <p:cNvPr id="61" name="TextBox 60">
@@ -6475,7 +6475,7 @@
               </p:nvSpPr>
               <p:spPr>
                 <a:xfrm>
-                  <a:off x="7404170" y="2462505"/>
+                  <a:off x="7031191" y="2437443"/>
                   <a:ext cx="250838" cy="276999"/>
                 </a:xfrm>
                 <a:prstGeom prst="rect">
@@ -6529,7 +6529,7 @@
               </p:txBody>
             </p:sp>
           </mc:Choice>
-          <mc:Fallback xmlns="">
+          <mc:Fallback>
             <p:sp>
               <p:nvSpPr>
                 <p:cNvPr id="61" name="TextBox 60">
@@ -6546,7 +6546,7 @@
               </p:nvSpPr>
               <p:spPr>
                 <a:xfrm>
-                  <a:off x="7404170" y="2462505"/>
+                  <a:off x="7031191" y="2437443"/>
                   <a:ext cx="250838" cy="276999"/>
                 </a:xfrm>
                 <a:prstGeom prst="rect">
@@ -6555,7 +6555,7 @@
                 <a:blipFill>
                   <a:blip r:embed="rId4"/>
                   <a:stretch>
-                    <a:fillRect l="-34146" t="-2222" r="-7317" b="-35556"/>
+                    <a:fillRect l="-33333" t="-2222" r="-7143" b="-35556"/>
                   </a:stretch>
                 </a:blipFill>
               </p:spPr>
@@ -6574,8 +6574,8 @@
             </p:sp>
           </mc:Fallback>
         </mc:AlternateContent>
-        <mc:AlternateContent xmlns:mc="http://schemas.openxmlformats.org/markup-compatibility/2006" xmlns:a14="http://schemas.microsoft.com/office/drawing/2010/main">
-          <mc:Choice Requires="a14">
+        <mc:AlternateContent xmlns:mc="http://schemas.openxmlformats.org/markup-compatibility/2006">
+          <mc:Choice xmlns:a14="http://schemas.microsoft.com/office/drawing/2010/main" Requires="a14">
             <p:sp>
               <p:nvSpPr>
                 <p:cNvPr id="62" name="TextBox 61">
@@ -6590,7 +6590,7 @@
               </p:nvSpPr>
               <p:spPr>
                 <a:xfrm>
-                  <a:off x="4630152" y="3555978"/>
+                  <a:off x="4257173" y="3530916"/>
                   <a:ext cx="241796" cy="276999"/>
                 </a:xfrm>
                 <a:prstGeom prst="rect">
@@ -6644,7 +6644,7 @@
               </p:txBody>
             </p:sp>
           </mc:Choice>
-          <mc:Fallback xmlns="">
+          <mc:Fallback>
             <p:sp>
               <p:nvSpPr>
                 <p:cNvPr id="62" name="TextBox 61">
@@ -6661,7 +6661,7 @@
               </p:nvSpPr>
               <p:spPr>
                 <a:xfrm>
-                  <a:off x="4630152" y="3555978"/>
+                  <a:off x="4257173" y="3530916"/>
                   <a:ext cx="241796" cy="276999"/>
                 </a:xfrm>
                 <a:prstGeom prst="rect">
@@ -6670,7 +6670,7 @@
                 <a:blipFill>
                   <a:blip r:embed="rId5"/>
                   <a:stretch>
-                    <a:fillRect l="-35897" t="-2174" r="-10256" b="-32609"/>
+                    <a:fillRect l="-35000" t="-2174" r="-10000" b="-32609"/>
                   </a:stretch>
                 </a:blipFill>
               </p:spPr>
@@ -6705,7 +6705,7 @@
           </p:nvCxnSpPr>
           <p:spPr>
             <a:xfrm flipH="1" flipV="1">
-              <a:off x="7308494" y="795923"/>
+              <a:off x="6935515" y="770861"/>
               <a:ext cx="223991" cy="824785"/>
             </a:xfrm>
             <a:prstGeom prst="straightConnector1">
@@ -6749,7 +6749,7 @@
           </p:nvCxnSpPr>
           <p:spPr>
             <a:xfrm flipH="1" flipV="1">
-              <a:off x="7704207" y="2631615"/>
+              <a:off x="7331228" y="2606553"/>
               <a:ext cx="223991" cy="824785"/>
             </a:xfrm>
             <a:prstGeom prst="straightConnector1">
@@ -6793,7 +6793,7 @@
           </p:nvCxnSpPr>
           <p:spPr>
             <a:xfrm flipH="1" flipV="1">
-              <a:off x="4950680" y="3716763"/>
+              <a:off x="4577701" y="3691701"/>
               <a:ext cx="223991" cy="824785"/>
             </a:xfrm>
             <a:prstGeom prst="straightConnector1">
@@ -6835,7 +6835,7 @@
           </p:nvSpPr>
           <p:spPr>
             <a:xfrm rot="20408256">
-              <a:off x="6043724" y="2574938"/>
+              <a:off x="5670745" y="2549876"/>
               <a:ext cx="713745" cy="916772"/>
             </a:xfrm>
             <a:prstGeom prst="roundRect">
@@ -6886,7 +6886,7 @@
           </p:nvCxnSpPr>
           <p:spPr>
             <a:xfrm flipH="1" flipV="1">
-              <a:off x="6222189" y="2346950"/>
+              <a:off x="5849210" y="2321888"/>
               <a:ext cx="186275" cy="666446"/>
             </a:xfrm>
             <a:prstGeom prst="straightConnector1">
@@ -6930,7 +6930,7 @@
           </p:nvCxnSpPr>
           <p:spPr>
             <a:xfrm flipV="1">
-              <a:off x="6400102" y="2540190"/>
+              <a:off x="6027123" y="2515128"/>
               <a:ext cx="403746" cy="469510"/>
             </a:xfrm>
             <a:prstGeom prst="straightConnector1">
@@ -6974,7 +6974,7 @@
           </p:nvCxnSpPr>
           <p:spPr>
             <a:xfrm>
-              <a:off x="6399535" y="3002032"/>
+              <a:off x="6026556" y="2976970"/>
               <a:ext cx="573003" cy="182493"/>
             </a:xfrm>
             <a:prstGeom prst="straightConnector1">
@@ -7016,8 +7016,8 @@
           </p:nvSpPr>
           <p:spPr>
             <a:xfrm>
-              <a:off x="5502326" y="2960449"/>
-              <a:ext cx="556243" cy="461665"/>
+              <a:off x="5195282" y="2982862"/>
+              <a:ext cx="444032" cy="369332"/>
             </a:xfrm>
             <a:prstGeom prst="rect">
               <a:avLst/>
@@ -7030,21 +7030,22 @@
             </a:bodyPr>
             <a:lstStyle/>
             <a:p>
+              <a:pPr algn="ctr"/>
               <a:r>
-                <a:rPr lang="en-US" sz="1500" dirty="0">
+                <a:rPr lang="en-US" sz="1200" dirty="0">
                   <a:latin typeface="Arial" panose="020B0604020202020204" pitchFamily="34" charset="0"/>
                   <a:cs typeface="Arial" panose="020B0604020202020204" pitchFamily="34" charset="0"/>
                 </a:rPr>
                 <a:t>Body </a:t>
               </a:r>
               <a:br>
-                <a:rPr lang="en-US" sz="1500" dirty="0">
+                <a:rPr lang="en-US" sz="1200" dirty="0">
                   <a:latin typeface="Arial" panose="020B0604020202020204" pitchFamily="34" charset="0"/>
                   <a:cs typeface="Arial" panose="020B0604020202020204" pitchFamily="34" charset="0"/>
                 </a:rPr>
               </a:br>
               <a:r>
-                <a:rPr lang="en-US" sz="1500" dirty="0">
+                <a:rPr lang="en-US" sz="1200" dirty="0">
                   <a:latin typeface="Arial" panose="020B0604020202020204" pitchFamily="34" charset="0"/>
                   <a:cs typeface="Arial" panose="020B0604020202020204" pitchFamily="34" charset="0"/>
                 </a:rPr>
@@ -7053,8 +7054,8 @@
             </a:p>
           </p:txBody>
         </p:sp>
-        <mc:AlternateContent xmlns:mc="http://schemas.openxmlformats.org/markup-compatibility/2006" xmlns:a14="http://schemas.microsoft.com/office/drawing/2010/main">
-          <mc:Choice Requires="a14">
+        <mc:AlternateContent xmlns:mc="http://schemas.openxmlformats.org/markup-compatibility/2006">
+          <mc:Choice xmlns:a14="http://schemas.microsoft.com/office/drawing/2010/main" Requires="a14">
             <p:sp>
               <p:nvSpPr>
                 <p:cNvPr id="1116" name="TextBox 1115">
@@ -7069,7 +7070,7 @@
               </p:nvSpPr>
               <p:spPr>
                 <a:xfrm>
-                  <a:off x="6035439" y="2905507"/>
+                  <a:off x="5662460" y="2880445"/>
                   <a:ext cx="373499" cy="276999"/>
                 </a:xfrm>
                 <a:prstGeom prst="rect">
@@ -7119,7 +7120,7 @@
               </p:txBody>
             </p:sp>
           </mc:Choice>
-          <mc:Fallback xmlns="">
+          <mc:Fallback>
             <p:sp>
               <p:nvSpPr>
                 <p:cNvPr id="1116" name="TextBox 1115">
@@ -7136,7 +7137,7 @@
               </p:nvSpPr>
               <p:spPr>
                 <a:xfrm>
-                  <a:off x="6035439" y="2905507"/>
+                  <a:off x="5662460" y="2880445"/>
                   <a:ext cx="373499" cy="276999"/>
                 </a:xfrm>
                 <a:prstGeom prst="rect">
@@ -7145,7 +7146,7 @@
                 <a:blipFill>
                   <a:blip r:embed="rId6"/>
                   <a:stretch>
-                    <a:fillRect l="-21311" t="-4444" r="-26230" b="-37778"/>
+                    <a:fillRect l="-22951" t="-4444" r="-24590" b="-37778"/>
                   </a:stretch>
                 </a:blipFill>
               </p:spPr>
@@ -7179,9 +7180,9 @@
           <p:grpSpPr>
             <a:xfrm>
               <a:off x="2649361" y="4365920"/>
-              <a:ext cx="1305817" cy="1230902"/>
+              <a:ext cx="1177577" cy="1138569"/>
               <a:chOff x="1581208" y="5320225"/>
-              <a:chExt cx="1305817" cy="1230902"/>
+              <a:chExt cx="1177577" cy="1138569"/>
             </a:xfrm>
           </p:grpSpPr>
           <p:grpSp>
@@ -7373,7 +7374,7 @@
             <p:spPr>
               <a:xfrm>
                 <a:off x="2255442" y="6089462"/>
-                <a:ext cx="631583" cy="461665"/>
+                <a:ext cx="503343" cy="369332"/>
               </a:xfrm>
               <a:prstGeom prst="rect">
                 <a:avLst/>
@@ -7386,21 +7387,22 @@
               </a:bodyPr>
               <a:lstStyle/>
               <a:p>
+                <a:pPr algn="ctr"/>
                 <a:r>
-                  <a:rPr lang="en-US" sz="1500" dirty="0">
+                  <a:rPr lang="en-US" sz="1200" dirty="0">
                     <a:latin typeface="Arial" panose="020B0604020202020204" pitchFamily="34" charset="0"/>
                     <a:cs typeface="Arial" panose="020B0604020202020204" pitchFamily="34" charset="0"/>
                   </a:rPr>
                   <a:t>Inertial </a:t>
                 </a:r>
                 <a:br>
-                  <a:rPr lang="en-US" sz="1500" dirty="0">
+                  <a:rPr lang="en-US" sz="1200" dirty="0">
                     <a:latin typeface="Arial" panose="020B0604020202020204" pitchFamily="34" charset="0"/>
                     <a:cs typeface="Arial" panose="020B0604020202020204" pitchFamily="34" charset="0"/>
                   </a:rPr>
                 </a:br>
                 <a:r>
-                  <a:rPr lang="en-US" sz="1500" dirty="0">
+                  <a:rPr lang="en-US" sz="1200" dirty="0">
                     <a:latin typeface="Arial" panose="020B0604020202020204" pitchFamily="34" charset="0"/>
                     <a:cs typeface="Arial" panose="020B0604020202020204" pitchFamily="34" charset="0"/>
                   </a:rPr>
@@ -7521,6 +7523,198 @@
             </mc:Fallback>
           </mc:AlternateContent>
         </p:grpSp>
+        <mc:AlternateContent xmlns:mc="http://schemas.openxmlformats.org/markup-compatibility/2006">
+          <mc:Choice xmlns:a14="http://schemas.microsoft.com/office/drawing/2010/main" Requires="a14">
+            <p:sp>
+              <p:nvSpPr>
+                <p:cNvPr id="2" name="TextBox 1">
+                  <a:extLst>
+                    <a:ext uri="{FF2B5EF4-FFF2-40B4-BE49-F238E27FC236}">
+                      <a16:creationId xmlns:a16="http://schemas.microsoft.com/office/drawing/2014/main" id="{582485C2-011E-27B9-5261-FD508E527688}"/>
+                    </a:ext>
+                  </a:extLst>
+                </p:cNvPr>
+                <p:cNvSpPr txBox="1"/>
+                <p:nvPr/>
+              </p:nvSpPr>
+              <p:spPr>
+                <a:xfrm>
+                  <a:off x="5152479" y="3591355"/>
+                  <a:ext cx="193258" cy="276999"/>
+                </a:xfrm>
+                <a:prstGeom prst="rect">
+                  <a:avLst/>
+                </a:prstGeom>
+                <a:noFill/>
+              </p:spPr>
+              <p:txBody>
+                <a:bodyPr wrap="none" lIns="0" tIns="0" rIns="0" bIns="0" rtlCol="0">
+                  <a:spAutoFit/>
+                </a:bodyPr>
+                <a:lstStyle/>
+                <a:p>
+                  <a:pPr/>
+                  <a14:m>
+                    <m:oMathPara xmlns:m="http://schemas.openxmlformats.org/officeDocument/2006/math">
+                      <m:oMathParaPr>
+                        <m:jc m:val="centerGroup"/>
+                      </m:oMathParaPr>
+                      <m:oMath xmlns:m="http://schemas.openxmlformats.org/officeDocument/2006/math">
+                        <m:r>
+                          <a:rPr lang="en-US" b="0" i="1" smtClean="0">
+                            <a:latin typeface="Cambria Math" panose="02040503050406030204" pitchFamily="18" charset="0"/>
+                          </a:rPr>
+                          <m:t>𝑑</m:t>
+                        </m:r>
+                      </m:oMath>
+                    </m:oMathPara>
+                  </a14:m>
+                  <a:endParaRPr lang="en-US" dirty="0"/>
+                </a:p>
+              </p:txBody>
+            </p:sp>
+          </mc:Choice>
+          <mc:Fallback>
+            <p:sp>
+              <p:nvSpPr>
+                <p:cNvPr id="2" name="TextBox 1">
+                  <a:extLst>
+                    <a:ext uri="{FF2B5EF4-FFF2-40B4-BE49-F238E27FC236}">
+                      <a16:creationId xmlns:a16="http://schemas.microsoft.com/office/drawing/2014/main" id="{582485C2-011E-27B9-5261-FD508E527688}"/>
+                    </a:ext>
+                  </a:extLst>
+                </p:cNvPr>
+                <p:cNvSpPr txBox="1">
+                  <a:spLocks noRot="1" noChangeAspect="1" noMove="1" noResize="1" noEditPoints="1" noAdjustHandles="1" noChangeArrowheads="1" noChangeShapeType="1" noTextEdit="1"/>
+                </p:cNvSpPr>
+                <p:nvPr/>
+              </p:nvSpPr>
+              <p:spPr>
+                <a:xfrm>
+                  <a:off x="5152479" y="3591355"/>
+                  <a:ext cx="193258" cy="276999"/>
+                </a:xfrm>
+                <a:prstGeom prst="rect">
+                  <a:avLst/>
+                </a:prstGeom>
+                <a:blipFill>
+                  <a:blip r:embed="rId8"/>
+                  <a:stretch>
+                    <a:fillRect l="-31250" r="-25000" b="-6522"/>
+                  </a:stretch>
+                </a:blipFill>
+              </p:spPr>
+              <p:txBody>
+                <a:bodyPr/>
+                <a:lstStyle/>
+                <a:p>
+                  <a:r>
+                    <a:rPr lang="en-US">
+                      <a:noFill/>
+                    </a:rPr>
+                    <a:t> </a:t>
+                  </a:r>
+                </a:p>
+              </p:txBody>
+            </p:sp>
+          </mc:Fallback>
+        </mc:AlternateContent>
+        <mc:AlternateContent xmlns:mc="http://schemas.openxmlformats.org/markup-compatibility/2006">
+          <mc:Choice xmlns:a14="http://schemas.microsoft.com/office/drawing/2010/main" Requires="a14">
+            <p:sp>
+              <p:nvSpPr>
+                <p:cNvPr id="5" name="TextBox 4">
+                  <a:extLst>
+                    <a:ext uri="{FF2B5EF4-FFF2-40B4-BE49-F238E27FC236}">
+                      <a16:creationId xmlns:a16="http://schemas.microsoft.com/office/drawing/2014/main" id="{1058BD9C-A774-E76F-FA26-5974A710E3EC}"/>
+                    </a:ext>
+                  </a:extLst>
+                </p:cNvPr>
+                <p:cNvSpPr txBox="1"/>
+                <p:nvPr/>
+              </p:nvSpPr>
+              <p:spPr>
+                <a:xfrm>
+                  <a:off x="6756747" y="2926516"/>
+                  <a:ext cx="193258" cy="276999"/>
+                </a:xfrm>
+                <a:prstGeom prst="rect">
+                  <a:avLst/>
+                </a:prstGeom>
+                <a:noFill/>
+              </p:spPr>
+              <p:txBody>
+                <a:bodyPr wrap="none" lIns="0" tIns="0" rIns="0" bIns="0" rtlCol="0">
+                  <a:spAutoFit/>
+                </a:bodyPr>
+                <a:lstStyle/>
+                <a:p>
+                  <a:pPr/>
+                  <a14:m>
+                    <m:oMathPara xmlns:m="http://schemas.openxmlformats.org/officeDocument/2006/math">
+                      <m:oMathParaPr>
+                        <m:jc m:val="centerGroup"/>
+                      </m:oMathParaPr>
+                      <m:oMath xmlns:m="http://schemas.openxmlformats.org/officeDocument/2006/math">
+                        <m:r>
+                          <a:rPr lang="en-US" b="0" i="1" smtClean="0">
+                            <a:latin typeface="Cambria Math" panose="02040503050406030204" pitchFamily="18" charset="0"/>
+                          </a:rPr>
+                          <m:t>𝑑</m:t>
+                        </m:r>
+                      </m:oMath>
+                    </m:oMathPara>
+                  </a14:m>
+                  <a:endParaRPr lang="en-US" dirty="0"/>
+                </a:p>
+              </p:txBody>
+            </p:sp>
+          </mc:Choice>
+          <mc:Fallback>
+            <p:sp>
+              <p:nvSpPr>
+                <p:cNvPr id="5" name="TextBox 4">
+                  <a:extLst>
+                    <a:ext uri="{FF2B5EF4-FFF2-40B4-BE49-F238E27FC236}">
+                      <a16:creationId xmlns:a16="http://schemas.microsoft.com/office/drawing/2014/main" id="{1058BD9C-A774-E76F-FA26-5974A710E3EC}"/>
+                    </a:ext>
+                  </a:extLst>
+                </p:cNvPr>
+                <p:cNvSpPr txBox="1">
+                  <a:spLocks noRot="1" noChangeAspect="1" noMove="1" noResize="1" noEditPoints="1" noAdjustHandles="1" noChangeArrowheads="1" noChangeShapeType="1" noTextEdit="1"/>
+                </p:cNvSpPr>
+                <p:nvPr/>
+              </p:nvSpPr>
+              <p:spPr>
+                <a:xfrm>
+                  <a:off x="6756747" y="2926516"/>
+                  <a:ext cx="193258" cy="276999"/>
+                </a:xfrm>
+                <a:prstGeom prst="rect">
+                  <a:avLst/>
+                </a:prstGeom>
+                <a:blipFill>
+                  <a:blip r:embed="rId9"/>
+                  <a:stretch>
+                    <a:fillRect l="-31250" r="-25000" b="-6522"/>
+                  </a:stretch>
+                </a:blipFill>
+              </p:spPr>
+              <p:txBody>
+                <a:bodyPr/>
+                <a:lstStyle/>
+                <a:p>
+                  <a:r>
+                    <a:rPr lang="en-US">
+                      <a:noFill/>
+                    </a:rPr>
+                    <a:t> </a:t>
+                  </a:r>
+                </a:p>
+              </p:txBody>
+            </p:sp>
+          </mc:Fallback>
+        </mc:AlternateContent>
       </p:grpSp>
     </p:spTree>
     <p:extLst>
